--- a/presentation.pptx
+++ b/presentation.pptx
@@ -1881,7 +1881,7 @@
                   </a:p>
                 </c:rich>
               </c:tx>
-              <c:dLblPos val="l"/>
+              <c:dLblPos val="t"/>
               <c:showLegendKey val="0"/>
               <c:showVal val="1"/>
               <c:showCatName val="0"/>
@@ -1912,7 +1912,7 @@
                   </a:p>
                 </c:rich>
               </c:tx>
-              <c:dLblPos val="l"/>
+              <c:dLblPos val="t"/>
               <c:showLegendKey val="0"/>
               <c:showVal val="1"/>
               <c:showCatName val="0"/>
@@ -1943,7 +1943,7 @@
                   </a:p>
                 </c:rich>
               </c:tx>
-              <c:dLblPos val="l"/>
+              <c:dLblPos val="t"/>
               <c:showLegendKey val="0"/>
               <c:showVal val="1"/>
               <c:showCatName val="0"/>
@@ -1991,7 +1991,7 @@
                 <a:endParaRPr lang="en-US"/>
               </a:p>
             </c:txPr>
-            <c:dLblPos val="l"/>
+            <c:dLblPos val="t"/>
             <c:showLegendKey val="0"/>
             <c:showVal val="1"/>
             <c:showCatName val="0"/>
@@ -7954,7 +7954,7 @@
           <a:p>
             <a:fld id="{689DABA7-5B4A-4618-8384-DAF4A5262B1C}" type="datetimeFigureOut">
               <a:rPr lang="en-US" smtClean="0"/>
-              <a:t>2020-06-16</a:t>
+              <a:t>2020-09-03</a:t>
             </a:fld>
             <a:endParaRPr lang="en-US"/>
           </a:p>
@@ -8577,7 +8577,7 @@
           <a:p>
             <a:fld id="{6DE7834F-4745-4646-A05D-F82ECF723B53}" type="datetime1">
               <a:rPr lang="en-US" smtClean="0"/>
-              <a:t>2020-06-16</a:t>
+              <a:t>2020-09-03</a:t>
             </a:fld>
             <a:endParaRPr lang="en-US"/>
           </a:p>
@@ -8797,7 +8797,7 @@
           <a:p>
             <a:fld id="{B40C84D5-C3AE-4F63-8C78-918C61E8A63F}" type="datetime1">
               <a:rPr lang="en-US" smtClean="0"/>
-              <a:t>2020-06-16</a:t>
+              <a:t>2020-09-03</a:t>
             </a:fld>
             <a:endParaRPr lang="en-US"/>
           </a:p>
@@ -9024,7 +9024,7 @@
           <a:p>
             <a:fld id="{FB789A1C-1E0C-485C-A53E-13509781A33D}" type="datetime1">
               <a:rPr lang="en-US" smtClean="0"/>
-              <a:t>2020-06-16</a:t>
+              <a:t>2020-09-03</a:t>
             </a:fld>
             <a:endParaRPr lang="en-US"/>
           </a:p>
@@ -9253,7 +9253,7 @@
           <a:p>
             <a:fld id="{EF3AFFAE-6350-4894-8608-60A138B8B9C5}" type="datetime1">
               <a:rPr lang="en-US" smtClean="0"/>
-              <a:t>2020-06-16</a:t>
+              <a:t>2020-09-03</a:t>
             </a:fld>
             <a:endParaRPr lang="en-US"/>
           </a:p>
@@ -9527,7 +9527,7 @@
           <a:p>
             <a:fld id="{E8F1E9BE-0301-47E7-A696-93983451FA84}" type="datetime1">
               <a:rPr lang="en-US" smtClean="0"/>
-              <a:t>2020-06-16</a:t>
+              <a:t>2020-09-03</a:t>
             </a:fld>
             <a:endParaRPr lang="en-US"/>
           </a:p>
@@ -9850,7 +9850,7 @@
           <a:p>
             <a:fld id="{BF510A0D-7BC7-4FB7-A732-09BDEA0B5A6B}" type="datetime1">
               <a:rPr lang="en-US" smtClean="0"/>
-              <a:t>2020-06-16</a:t>
+              <a:t>2020-09-03</a:t>
             </a:fld>
             <a:endParaRPr lang="en-US"/>
           </a:p>
@@ -10279,7 +10279,7 @@
           <a:p>
             <a:fld id="{57895EE2-299D-40F1-93A1-789A014937D4}" type="datetime1">
               <a:rPr lang="en-US" smtClean="0"/>
-              <a:t>2020-06-16</a:t>
+              <a:t>2020-09-03</a:t>
             </a:fld>
             <a:endParaRPr lang="en-US"/>
           </a:p>
@@ -10478,7 +10478,7 @@
           <a:p>
             <a:fld id="{581BD616-66CB-4199-90CE-0836AD531BFD}" type="datetime1">
               <a:rPr lang="en-US" smtClean="0"/>
-              <a:t>2020-06-16</a:t>
+              <a:t>2020-09-03</a:t>
             </a:fld>
             <a:endParaRPr lang="en-US"/>
           </a:p>
@@ -10584,7 +10584,7 @@
           <a:p>
             <a:fld id="{136E83D2-B3E3-4C09-AD80-C8366CACF510}" type="datetime1">
               <a:rPr lang="en-US" smtClean="0"/>
-              <a:t>2020-06-16</a:t>
+              <a:t>2020-09-03</a:t>
             </a:fld>
             <a:endParaRPr lang="en-US"/>
           </a:p>
@@ -10964,7 +10964,7 @@
           <a:p>
             <a:fld id="{5D98B2C2-5B6E-4D69-8E24-7F8E532752C6}" type="datetime1">
               <a:rPr lang="en-US" smtClean="0"/>
-              <a:t>2020-06-16</a:t>
+              <a:t>2020-09-03</a:t>
             </a:fld>
             <a:endParaRPr lang="en-US"/>
           </a:p>
@@ -11297,7 +11297,7 @@
           <a:p>
             <a:fld id="{CEC7C22A-D4A1-49D4-9DAA-BBDAF311D20B}" type="datetime1">
               <a:rPr lang="en-US" smtClean="0"/>
-              <a:t>2020-06-16</a:t>
+              <a:t>2020-09-03</a:t>
             </a:fld>
             <a:endParaRPr lang="en-US"/>
           </a:p>
@@ -11551,7 +11551,7 @@
           <a:p>
             <a:fld id="{9F04546D-5C33-498D-8727-E24BA64AA87C}" type="datetime1">
               <a:rPr lang="en-US" smtClean="0"/>
-              <a:t>2020-06-16</a:t>
+              <a:t>2020-09-03</a:t>
             </a:fld>
             <a:endParaRPr lang="en-US"/>
           </a:p>
@@ -12275,7 +12275,7 @@
                                         <p:tgtEl>
                                           <p:spTgt spid="8">
                                             <p:graphicEl>
-                                              <a:chart seriesIdx="0" categoryIdx="-4" bldStep="series"/>
+                                              <a:chart seriesIdx="-3" categoryIdx="-3" bldStep="gridLegend"/>
                                             </p:graphicEl>
                                           </p:spTgt>
                                         </p:tgtEl>
@@ -12324,7 +12324,7 @@
                                         <p:tgtEl>
                                           <p:spTgt spid="8">
                                             <p:graphicEl>
-                                              <a:chart seriesIdx="1" categoryIdx="-4" bldStep="series"/>
+                                              <a:chart seriesIdx="0" categoryIdx="-4" bldStep="series"/>
                                             </p:graphicEl>
                                           </p:spTgt>
                                         </p:tgtEl>
@@ -12373,7 +12373,7 @@
                                         <p:tgtEl>
                                           <p:spTgt spid="8">
                                             <p:graphicEl>
-                                              <a:chart seriesIdx="2" categoryIdx="-4" bldStep="series"/>
+                                              <a:chart seriesIdx="1" categoryIdx="-4" bldStep="series"/>
                                             </p:graphicEl>
                                           </p:spTgt>
                                         </p:tgtEl>
@@ -12415,6 +12415,55 @@
                                     <p:set>
                                       <p:cBhvr>
                                         <p:cTn id="18" dur="1" fill="hold">
+                                          <p:stCondLst>
+                                            <p:cond delay="0"/>
+                                          </p:stCondLst>
+                                        </p:cTn>
+                                        <p:tgtEl>
+                                          <p:spTgt spid="8">
+                                            <p:graphicEl>
+                                              <a:chart seriesIdx="2" categoryIdx="-4" bldStep="series"/>
+                                            </p:graphicEl>
+                                          </p:spTgt>
+                                        </p:tgtEl>
+                                        <p:attrNameLst>
+                                          <p:attrName>style.visibility</p:attrName>
+                                        </p:attrNameLst>
+                                      </p:cBhvr>
+                                      <p:to>
+                                        <p:strVal val="visible"/>
+                                      </p:to>
+                                    </p:set>
+                                  </p:childTnLst>
+                                </p:cTn>
+                              </p:par>
+                            </p:childTnLst>
+                          </p:cTn>
+                        </p:par>
+                      </p:childTnLst>
+                    </p:cTn>
+                  </p:par>
+                  <p:par>
+                    <p:cTn id="19" fill="hold">
+                      <p:stCondLst>
+                        <p:cond delay="indefinite"/>
+                      </p:stCondLst>
+                      <p:childTnLst>
+                        <p:par>
+                          <p:cTn id="20" fill="hold">
+                            <p:stCondLst>
+                              <p:cond delay="0"/>
+                            </p:stCondLst>
+                            <p:childTnLst>
+                              <p:par>
+                                <p:cTn id="21" presetID="1" presetClass="entr" presetSubtype="0" fill="hold" grpId="0" nodeType="clickEffect">
+                                  <p:stCondLst>
+                                    <p:cond delay="0"/>
+                                  </p:stCondLst>
+                                  <p:childTnLst>
+                                    <p:set>
+                                      <p:cBhvr>
+                                        <p:cTn id="22" dur="1" fill="hold">
                                           <p:stCondLst>
                                             <p:cond delay="0"/>
                                           </p:stCondLst>
